--- a/DOC/Pitch prezentace.pptx
+++ b/DOC/Pitch prezentace.pptx
@@ -228,7 +228,7 @@
           <a:p>
             <a:fld id="{F3235B89-6275-4350-94DC-854C926ADFB6}" type="datetimeFigureOut">
               <a:rPr lang="cs-CZ" smtClean="0"/>
-              <a:t>27.10.2023</a:t>
+              <a:t>29.10.2023</a:t>
             </a:fld>
             <a:endParaRPr lang="cs-CZ"/>
           </a:p>
@@ -406,7 +406,7 @@
           <a:p>
             <a:fld id="{8A47B827-01B0-40C7-BA68-3ACC7CEACCE7}" type="datetimeFigureOut">
               <a:rPr lang="cs-CZ" smtClean="0"/>
-              <a:t>27.10.2023</a:t>
+              <a:t>29.10.2023</a:t>
             </a:fld>
             <a:endParaRPr lang="cs-CZ"/>
           </a:p>
@@ -3017,9 +3017,10 @@
           <a:lstStyle/>
           <a:p>
             <a:r>
-              <a:rPr lang="cs-CZ" dirty="0"/>
-              <a:t>Obrázek pro kokota</a:t>
-            </a:r>
+              <a:rPr lang="cs-CZ"/>
+              <a:t>Obrázek</a:t>
+            </a:r>
+            <a:endParaRPr lang="cs-CZ" dirty="0"/>
           </a:p>
         </p:txBody>
       </p:sp>

--- a/DOC/Pitch prezentace.pptx
+++ b/DOC/Pitch prezentace.pptx
@@ -2599,7 +2599,7 @@
             </a:fld>
             <a:r>
               <a:rPr lang="cs-CZ" dirty="0"/>
-              <a:t>/6</a:t>
+              <a:t>/4</a:t>
             </a:r>
           </a:p>
         </p:txBody>
@@ -2747,7 +2747,7 @@
             </a:fld>
             <a:r>
               <a:rPr lang="cs-CZ" dirty="0"/>
-              <a:t>/6</a:t>
+              <a:t>/4</a:t>
             </a:r>
           </a:p>
         </p:txBody>
@@ -2936,7 +2936,7 @@
             </a:fld>
             <a:r>
               <a:rPr lang="cs-CZ" dirty="0"/>
-              <a:t>/6</a:t>
+              <a:t>/4</a:t>
             </a:r>
           </a:p>
         </p:txBody>
